--- a/1.Introduction.pptx
+++ b/1.Introduction.pptx
@@ -224,7 +224,7 @@
           <a:p>
             <a:fld id="{312E7B4A-039C-48A2-9B2C-AF16AA3873D8}" type="datetimeFigureOut">
               <a:rPr lang="en-US" smtClean="0"/>
-              <a:t>5/16/2019</a:t>
+              <a:t>5/17/2019</a:t>
             </a:fld>
             <a:endParaRPr lang="en-US"/>
           </a:p>
@@ -389,7 +389,7 @@
           <a:p>
             <a:fld id="{DA005A0C-54D9-45AA-87D4-C551D08DFCE1}" type="datetimeFigureOut">
               <a:rPr lang="en-US" smtClean="0"/>
-              <a:t>5/16/2019</a:t>
+              <a:t>5/17/2019</a:t>
             </a:fld>
             <a:endParaRPr lang="en-US"/>
           </a:p>
@@ -3831,7 +3831,15 @@
           <a:p>
             <a:r>
               <a:rPr lang="en-IN" dirty="0"/>
-              <a:t>Speakers – Trilok, Netaji, Lakshmi, Shubham</a:t>
+              <a:t>Speakers – </a:t>
+            </a:r>
+            <a:r>
+              <a:rPr lang="en-IN"/>
+              <a:t>Vinayak,Trilok</a:t>
+            </a:r>
+            <a:r>
+              <a:rPr lang="en-IN" dirty="0"/>
+              <a:t>, Netaji, Lakshmi, Shubham</a:t>
             </a:r>
           </a:p>
         </p:txBody>
@@ -5911,6 +5919,21 @@
 </file>
 
 <file path=customXml/item1.xml><?xml version="1.0" encoding="utf-8"?>
+<p:properties xmlns:p="http://schemas.microsoft.com/office/2006/metadata/properties" xmlns:xsi="http://www.w3.org/2001/XMLSchema-instance" xmlns:pc="http://schemas.microsoft.com/office/infopath/2007/PartnerControls">
+  <documentManagement/>
+</p:properties>
+</file>
+
+<file path=customXml/item2.xml><?xml version="1.0" encoding="utf-8"?>
+<?mso-contentType ?>
+<FormTemplates xmlns="http://schemas.microsoft.com/sharepoint/v3/contenttype/forms">
+  <Display>DocumentLibraryForm</Display>
+  <Edit>DocumentLibraryForm</Edit>
+  <New>DocumentLibraryForm</New>
+</FormTemplates>
+</file>
+
+<file path=customXml/item3.xml><?xml version="1.0" encoding="utf-8"?>
 <ct:contentTypeSchema xmlns:ct="http://schemas.microsoft.com/office/2006/metadata/contentType" xmlns:ma="http://schemas.microsoft.com/office/2006/metadata/properties/metaAttributes" ct:_="" ma:_="" ma:contentTypeName="Document" ma:contentTypeID="0x01010011DC54E8FA166940A7080F84F8CB43C0" ma:contentTypeVersion="5" ma:contentTypeDescription="Create a new document." ma:contentTypeScope="" ma:versionID="cf59c618f8906941c836d93f4042696d">
   <xsd:schema xmlns:xsd="http://www.w3.org/2001/XMLSchema" xmlns:xs="http://www.w3.org/2001/XMLSchema" xmlns:p="http://schemas.microsoft.com/office/2006/metadata/properties" xmlns:ns2="49f23ff1-7de2-4e77-8ccc-6638caaacb57" targetNamespace="http://schemas.microsoft.com/office/2006/metadata/properties" ma:root="true" ma:fieldsID="2f21f176a9e5873be5e0250de8bfe910" ns2:_="">
     <xsd:import namespace="49f23ff1-7de2-4e77-8ccc-6638caaacb57"/>
@@ -6060,22 +6083,31 @@
 </ct:contentTypeSchema>
 </file>
 
-<file path=customXml/item2.xml><?xml version="1.0" encoding="utf-8"?>
-<?mso-contentType ?>
-<FormTemplates xmlns="http://schemas.microsoft.com/sharepoint/v3/contenttype/forms">
-  <Display>DocumentLibraryForm</Display>
-  <Edit>DocumentLibraryForm</Edit>
-  <New>DocumentLibraryForm</New>
-</FormTemplates>
+<file path=customXml/itemProps1.xml><?xml version="1.0" encoding="utf-8"?>
+<ds:datastoreItem xmlns:ds="http://schemas.openxmlformats.org/officeDocument/2006/customXml" ds:itemID="{7025FDD9-4C58-4084-9F89-0E6ADD6FFF55}">
+  <ds:schemaRefs>
+    <ds:schemaRef ds:uri="http://purl.org/dc/dcmitype/"/>
+    <ds:schemaRef ds:uri="http://schemas.microsoft.com/office/2006/documentManagement/types"/>
+    <ds:schemaRef ds:uri="http://schemas.openxmlformats.org/package/2006/metadata/core-properties"/>
+    <ds:schemaRef ds:uri="http://schemas.microsoft.com/office/2006/metadata/properties"/>
+    <ds:schemaRef ds:uri="http://www.w3.org/XML/1998/namespace"/>
+    <ds:schemaRef ds:uri="http://purl.org/dc/elements/1.1/"/>
+    <ds:schemaRef ds:uri="http://schemas.microsoft.com/office/infopath/2007/PartnerControls"/>
+    <ds:schemaRef ds:uri="49f23ff1-7de2-4e77-8ccc-6638caaacb57"/>
+    <ds:schemaRef ds:uri="http://purl.org/dc/terms/"/>
+  </ds:schemaRefs>
+</ds:datastoreItem>
 </file>
 
-<file path=customXml/item3.xml><?xml version="1.0" encoding="utf-8"?>
-<p:properties xmlns:p="http://schemas.microsoft.com/office/2006/metadata/properties" xmlns:xsi="http://www.w3.org/2001/XMLSchema-instance" xmlns:pc="http://schemas.microsoft.com/office/infopath/2007/PartnerControls">
-  <documentManagement/>
-</p:properties>
+<file path=customXml/itemProps2.xml><?xml version="1.0" encoding="utf-8"?>
+<ds:datastoreItem xmlns:ds="http://schemas.openxmlformats.org/officeDocument/2006/customXml" ds:itemID="{B0CA13EC-1D3C-4D6F-8D1C-E8A452CFC79A}">
+  <ds:schemaRefs>
+    <ds:schemaRef ds:uri="http://schemas.microsoft.com/sharepoint/v3/contenttype/forms"/>
+  </ds:schemaRefs>
+</ds:datastoreItem>
 </file>
 
-<file path=customXml/itemProps1.xml><?xml version="1.0" encoding="utf-8"?>
+<file path=customXml/itemProps3.xml><?xml version="1.0" encoding="utf-8"?>
 <ds:datastoreItem xmlns:ds="http://schemas.openxmlformats.org/officeDocument/2006/customXml" ds:itemID="{9981D766-8238-4C46-BFD3-328D25F01F6A}">
   <ds:schemaRefs>
     <ds:schemaRef ds:uri="http://schemas.microsoft.com/office/2006/metadata/contentType"/>
@@ -6091,28 +6123,4 @@
     <ds:schemaRef ds:uri="http://schemas.microsoft.com/internal/obd"/>
   </ds:schemaRefs>
 </ds:datastoreItem>
-</file>
-
-<file path=customXml/itemProps2.xml><?xml version="1.0" encoding="utf-8"?>
-<ds:datastoreItem xmlns:ds="http://schemas.openxmlformats.org/officeDocument/2006/customXml" ds:itemID="{B0CA13EC-1D3C-4D6F-8D1C-E8A452CFC79A}">
-  <ds:schemaRefs>
-    <ds:schemaRef ds:uri="http://schemas.microsoft.com/sharepoint/v3/contenttype/forms"/>
-  </ds:schemaRefs>
-</ds:datastoreItem>
-</file>
-
-<file path=customXml/itemProps3.xml><?xml version="1.0" encoding="utf-8"?>
-<ds:datastoreItem xmlns:ds="http://schemas.openxmlformats.org/officeDocument/2006/customXml" ds:itemID="{7025FDD9-4C58-4084-9F89-0E6ADD6FFF55}">
-  <ds:schemaRefs>
-    <ds:schemaRef ds:uri="http://purl.org/dc/dcmitype/"/>
-    <ds:schemaRef ds:uri="http://schemas.microsoft.com/office/2006/documentManagement/types"/>
-    <ds:schemaRef ds:uri="http://schemas.openxmlformats.org/package/2006/metadata/core-properties"/>
-    <ds:schemaRef ds:uri="http://schemas.microsoft.com/office/2006/metadata/properties"/>
-    <ds:schemaRef ds:uri="http://www.w3.org/XML/1998/namespace"/>
-    <ds:schemaRef ds:uri="http://purl.org/dc/elements/1.1/"/>
-    <ds:schemaRef ds:uri="http://schemas.microsoft.com/office/infopath/2007/PartnerControls"/>
-    <ds:schemaRef ds:uri="49f23ff1-7de2-4e77-8ccc-6638caaacb57"/>
-    <ds:schemaRef ds:uri="http://purl.org/dc/terms/"/>
-  </ds:schemaRefs>
-</ds:datastoreItem>
 </file>
--- a/1.Introduction.pptx
+++ b/1.Introduction.pptx
@@ -5,19 +5,20 @@
     <p:sldMasterId id="2147483660" r:id="rId4"/>
   </p:sldMasterIdLst>
   <p:notesMasterIdLst>
-    <p:notesMasterId r:id="rId12"/>
+    <p:notesMasterId r:id="rId13"/>
   </p:notesMasterIdLst>
   <p:handoutMasterIdLst>
-    <p:handoutMasterId r:id="rId13"/>
+    <p:handoutMasterId r:id="rId14"/>
   </p:handoutMasterIdLst>
   <p:sldIdLst>
     <p:sldId id="348" r:id="rId5"/>
     <p:sldId id="317" r:id="rId6"/>
     <p:sldId id="367" r:id="rId7"/>
     <p:sldId id="392" r:id="rId8"/>
-    <p:sldId id="393" r:id="rId9"/>
-    <p:sldId id="396" r:id="rId10"/>
-    <p:sldId id="395" r:id="rId11"/>
+    <p:sldId id="397" r:id="rId9"/>
+    <p:sldId id="393" r:id="rId10"/>
+    <p:sldId id="396" r:id="rId11"/>
+    <p:sldId id="395" r:id="rId12"/>
   </p:sldIdLst>
   <p:sldSz cx="12192000" cy="6858000"/>
   <p:notesSz cx="6858000" cy="9144000"/>
@@ -125,6 +126,7 @@
             <p14:sldId id="317"/>
             <p14:sldId id="367"/>
             <p14:sldId id="392"/>
+            <p14:sldId id="397"/>
             <p14:sldId id="393"/>
             <p14:sldId id="396"/>
             <p14:sldId id="395"/>
@@ -224,7 +226,7 @@
           <a:p>
             <a:fld id="{312E7B4A-039C-48A2-9B2C-AF16AA3873D8}" type="datetimeFigureOut">
               <a:rPr lang="en-US" smtClean="0"/>
-              <a:t>5/17/2019</a:t>
+              <a:t>5/21/2019</a:t>
             </a:fld>
             <a:endParaRPr lang="en-US"/>
           </a:p>
@@ -389,7 +391,7 @@
           <a:p>
             <a:fld id="{DA005A0C-54D9-45AA-87D4-C551D08DFCE1}" type="datetimeFigureOut">
               <a:rPr lang="en-US" smtClean="0"/>
-              <a:t>5/17/2019</a:t>
+              <a:t>5/21/2019</a:t>
             </a:fld>
             <a:endParaRPr lang="en-US"/>
           </a:p>
@@ -3834,7 +3836,7 @@
               <a:t>Speakers – </a:t>
             </a:r>
             <a:r>
-              <a:rPr lang="en-IN"/>
+              <a:rPr lang="en-IN" dirty="0" err="1"/>
               <a:t>Vinayak,Trilok</a:t>
             </a:r>
             <a:r>
@@ -3900,18 +3902,15 @@
               <a:buNone/>
             </a:pPr>
             <a:r>
-              <a:rPr lang="en-IN" sz="1800" dirty="0"/>
-              <a:t>Real time Candidate BG Verification</a:t>
+              <a:rPr lang="en-US" sz="1800" dirty="0"/>
+              <a:t>Life Compass - live your goals*</a:t>
             </a:r>
           </a:p>
           <a:p>
             <a:pPr marL="0" indent="0" algn="ctr">
               <a:buNone/>
             </a:pPr>
-            <a:r>
-              <a:rPr lang="en-IN" sz="1200" dirty="0"/>
-              <a:t>Blockchain, Hyperledger</a:t>
-            </a:r>
+            <a:endParaRPr lang="en-US" sz="1800" dirty="0"/>
           </a:p>
         </p:txBody>
       </p:sp>
@@ -3925,7 +3924,12 @@
             <p:ph type="title"/>
           </p:nvPr>
         </p:nvSpPr>
-        <p:spPr/>
+        <p:spPr>
+          <a:xfrm>
+            <a:off x="379514" y="132110"/>
+            <a:ext cx="11524432" cy="1063487"/>
+          </a:xfrm>
+        </p:spPr>
         <p:txBody>
           <a:bodyPr/>
           <a:lstStyle/>
@@ -3933,8 +3937,13 @@
             <a:pPr algn="ctr"/>
             <a:r>
               <a:rPr lang="en-IN" dirty="0"/>
-              <a:t>Foundry Projects Edit this slide</a:t>
-            </a:r>
+              <a:t>Foundry Projects - Hyderabad</a:t>
+            </a:r>
+            <a:endParaRPr lang="en-IN" dirty="0">
+              <a:solidFill>
+                <a:srgbClr val="FF0000"/>
+              </a:solidFill>
+            </a:endParaRPr>
           </a:p>
         </p:txBody>
       </p:sp>
@@ -3964,17 +3973,12 @@
               <a:buNone/>
             </a:pPr>
             <a:r>
-              <a:rPr lang="en-IN" sz="1800" dirty="0"/>
-              <a:t>Securing IoT devices in an Enterprise</a:t>
-            </a:r>
-          </a:p>
-          <a:p>
-            <a:pPr marL="0" indent="0" algn="ctr">
-              <a:buNone/>
-            </a:pPr>
-            <a:r>
-              <a:rPr lang="en-IN" sz="1200" dirty="0"/>
-              <a:t>Azure, IoT, Machine Learning</a:t>
+              <a:rPr lang="fr-FR" sz="1800" dirty="0" err="1"/>
+              <a:t>Seshat</a:t>
+            </a:r>
+            <a:r>
+              <a:rPr lang="fr-FR" sz="1800" dirty="0"/>
+              <a:t>: a content intelligence platform</a:t>
             </a:r>
           </a:p>
         </p:txBody>
@@ -3996,25 +4000,24 @@
           </a:xfrm>
         </p:spPr>
         <p:txBody>
-          <a:bodyPr/>
+          <a:bodyPr>
+            <a:normAutofit fontScale="92500"/>
+          </a:bodyPr>
           <a:lstStyle/>
           <a:p>
             <a:pPr marL="0" indent="0" algn="ctr">
               <a:buNone/>
             </a:pPr>
             <a:r>
-              <a:rPr lang="en-IN" sz="1800" dirty="0"/>
-              <a:t>PEAS</a:t>
+              <a:rPr lang="en-US" sz="1800" dirty="0"/>
+              <a:t>Surface action-oriented individual specific notifications on Teams</a:t>
             </a:r>
           </a:p>
           <a:p>
             <a:pPr marL="0" indent="0" algn="ctr">
               <a:buNone/>
             </a:pPr>
-            <a:r>
-              <a:rPr lang="en-IN" sz="1200" dirty="0"/>
-              <a:t>Azure, IaaS</a:t>
-            </a:r>
+            <a:endParaRPr lang="en-IN" sz="1200" dirty="0"/>
           </a:p>
         </p:txBody>
       </p:sp>
@@ -4035,25 +4038,24 @@
           </a:xfrm>
         </p:spPr>
         <p:txBody>
-          <a:bodyPr/>
+          <a:bodyPr>
+            <a:normAutofit/>
+          </a:bodyPr>
           <a:lstStyle/>
           <a:p>
             <a:pPr marL="0" indent="0" algn="ctr">
               <a:buNone/>
             </a:pPr>
             <a:r>
-              <a:rPr lang="en-IN" sz="1800" dirty="0"/>
-              <a:t>Visio IoT Dashboards</a:t>
+              <a:rPr lang="en-US" sz="1800" dirty="0"/>
+              <a:t>API evaluation of Lobby Depart Experience* </a:t>
             </a:r>
           </a:p>
           <a:p>
             <a:pPr marL="0" indent="0" algn="ctr">
               <a:buNone/>
             </a:pPr>
-            <a:r>
-              <a:rPr lang="en-IN" sz="1200" dirty="0"/>
-              <a:t>Azure, Visio, IoT Hub</a:t>
-            </a:r>
+            <a:endParaRPr lang="en-IN" sz="1200" dirty="0"/>
           </a:p>
         </p:txBody>
       </p:sp>
@@ -4074,7 +4076,9 @@
           </a:xfrm>
         </p:spPr>
         <p:txBody>
-          <a:bodyPr/>
+          <a:bodyPr>
+            <a:normAutofit/>
+          </a:bodyPr>
           <a:lstStyle/>
           <a:p>
             <a:pPr marL="0" indent="0" algn="ctr">
@@ -4082,17 +4086,14 @@
             </a:pPr>
             <a:r>
               <a:rPr lang="en-IN" sz="1800" dirty="0"/>
-              <a:t>Kaizala</a:t>
+              <a:t>Intelligent voice assistant for Azure monitor</a:t>
             </a:r>
           </a:p>
           <a:p>
             <a:pPr marL="0" indent="0" algn="ctr">
               <a:buNone/>
             </a:pPr>
-            <a:r>
-              <a:rPr lang="en-IN" sz="1200" dirty="0"/>
-              <a:t>Social, Enterprise, Azure</a:t>
-            </a:r>
+            <a:endParaRPr lang="en-IN" sz="1200" dirty="0"/>
           </a:p>
         </p:txBody>
       </p:sp>
@@ -4113,25 +4114,24 @@
           </a:xfrm>
         </p:spPr>
         <p:txBody>
-          <a:bodyPr/>
+          <a:bodyPr>
+            <a:normAutofit/>
+          </a:bodyPr>
           <a:lstStyle/>
           <a:p>
             <a:pPr marL="0" indent="0" algn="ctr">
               <a:buNone/>
             </a:pPr>
             <a:r>
-              <a:rPr lang="en-IN" sz="1800" dirty="0"/>
-              <a:t>IoT for Agriculture</a:t>
+              <a:rPr lang="en-US" sz="1800" dirty="0"/>
+              <a:t>Azure DevOps Bots for Slack and Team</a:t>
             </a:r>
           </a:p>
           <a:p>
             <a:pPr marL="0" indent="0" algn="ctr">
               <a:buNone/>
             </a:pPr>
-            <a:r>
-              <a:rPr lang="en-IN" sz="1200" dirty="0"/>
-              <a:t>IoT, Azure Cosmos, Machine Learning</a:t>
-            </a:r>
+            <a:endParaRPr lang="en-IN" sz="1200" dirty="0"/>
           </a:p>
         </p:txBody>
       </p:sp>
@@ -4159,18 +4159,14 @@
               <a:buNone/>
             </a:pPr>
             <a:r>
+              <a:rPr lang="en-IN" sz="1800" dirty="0" err="1"/>
+              <a:t>Quditor</a:t>
+            </a:r>
+            <a:r>
               <a:rPr lang="en-IN" sz="1800" dirty="0"/>
-              <a:t>Virtual Pet with AR and Cortana</a:t>
-            </a:r>
-          </a:p>
-          <a:p>
-            <a:pPr marL="0" indent="0" algn="ctr">
-              <a:buNone/>
-            </a:pPr>
-            <a:r>
-              <a:rPr lang="en-IN" sz="1200" dirty="0"/>
-              <a:t>AR Core, Bot Framework, Cortana</a:t>
-            </a:r>
+              <a:t>*</a:t>
+            </a:r>
+            <a:endParaRPr lang="en-IN" sz="1200" dirty="0"/>
           </a:p>
         </p:txBody>
       </p:sp>
@@ -4191,7 +4187,9 @@
           </a:xfrm>
         </p:spPr>
         <p:txBody>
-          <a:bodyPr/>
+          <a:bodyPr>
+            <a:normAutofit/>
+          </a:bodyPr>
           <a:lstStyle/>
           <a:p>
             <a:pPr marL="0" indent="0" algn="ctr">
@@ -4199,16 +4197,7 @@
             </a:pPr>
             <a:r>
               <a:rPr lang="en-IN" sz="1800" dirty="0"/>
-              <a:t>Data Studio</a:t>
-            </a:r>
-          </a:p>
-          <a:p>
-            <a:pPr marL="0" indent="0" algn="ctr">
-              <a:buNone/>
-            </a:pPr>
-            <a:r>
-              <a:rPr lang="en-IN" sz="1200" dirty="0"/>
-              <a:t>Unity, Cortana, Mixed Reality, LUIS</a:t>
+              <a:t>Microsoft Edge [Anaheim] on Android*</a:t>
             </a:r>
           </a:p>
         </p:txBody>
@@ -4230,25 +4219,19 @@
           </a:xfrm>
         </p:spPr>
         <p:txBody>
-          <a:bodyPr/>
+          <a:bodyPr>
+            <a:normAutofit/>
+          </a:bodyPr>
           <a:lstStyle/>
           <a:p>
             <a:pPr marL="0" indent="0" algn="ctr">
               <a:buNone/>
             </a:pPr>
             <a:r>
-              <a:rPr lang="en-IN" sz="1800" dirty="0"/>
-              <a:t>Edge</a:t>
-            </a:r>
-          </a:p>
-          <a:p>
-            <a:pPr marL="0" indent="0" algn="ctr">
-              <a:buNone/>
-            </a:pPr>
-            <a:r>
-              <a:rPr lang="en-IN" sz="1200" dirty="0"/>
-              <a:t>Microsoft Edge, Web</a:t>
-            </a:r>
+              <a:rPr lang="en-US" sz="1800" dirty="0"/>
+              <a:t>Defender End Point Protection for iOS*</a:t>
+            </a:r>
+            <a:endParaRPr lang="en-IN" sz="1200" dirty="0"/>
           </a:p>
         </p:txBody>
       </p:sp>
@@ -4269,25 +4252,17 @@
           </a:xfrm>
         </p:spPr>
         <p:txBody>
-          <a:bodyPr/>
+          <a:bodyPr>
+            <a:normAutofit/>
+          </a:bodyPr>
           <a:lstStyle/>
           <a:p>
             <a:pPr marL="0" indent="0" algn="ctr">
               <a:buNone/>
             </a:pPr>
             <a:r>
-              <a:rPr lang="en-IN" sz="1800" dirty="0" err="1"/>
-              <a:t>RuBot</a:t>
-            </a:r>
-            <a:endParaRPr lang="en-IN" sz="1800" dirty="0"/>
-          </a:p>
-          <a:p>
-            <a:pPr marL="0" indent="0" algn="ctr">
-              <a:buNone/>
-            </a:pPr>
-            <a:r>
-              <a:rPr lang="en-IN" sz="1200" dirty="0"/>
-              <a:t>Cognitive Services, Bot Framework, Azure</a:t>
+              <a:rPr lang="en-US" sz="1800" dirty="0"/>
+              <a:t>Activity Feed for One Drive Consumer Web*</a:t>
             </a:r>
           </a:p>
         </p:txBody>
@@ -4324,6 +4299,217 @@
       </p:grpSpPr>
       <p:sp>
         <p:nvSpPr>
+          <p:cNvPr id="2" name="Content Placeholder 1"/>
+          <p:cNvSpPr>
+            <a:spLocks noGrp="1"/>
+          </p:cNvSpPr>
+          <p:nvPr>
+            <p:ph sz="half" idx="2"/>
+          </p:nvPr>
+        </p:nvSpPr>
+        <p:spPr>
+          <a:xfrm>
+            <a:off x="1" y="1371601"/>
+            <a:ext cx="3916392" cy="788793"/>
+          </a:xfrm>
+        </p:spPr>
+        <p:txBody>
+          <a:bodyPr>
+            <a:normAutofit fontScale="85000" lnSpcReduction="10000"/>
+          </a:bodyPr>
+          <a:lstStyle/>
+          <a:p>
+            <a:pPr marL="0" indent="0" algn="ctr">
+              <a:buNone/>
+            </a:pPr>
+            <a:r>
+              <a:rPr lang="en-US" b="0" dirty="0"/>
+              <a:t>Fraud Linkage Analyzer* </a:t>
+            </a:r>
+            <a:endParaRPr lang="en-US" sz="1800" dirty="0"/>
+          </a:p>
+        </p:txBody>
+      </p:sp>
+      <p:sp>
+        <p:nvSpPr>
+          <p:cNvPr id="4" name="Title 3"/>
+          <p:cNvSpPr>
+            <a:spLocks noGrp="1"/>
+          </p:cNvSpPr>
+          <p:nvPr>
+            <p:ph type="title"/>
+          </p:nvPr>
+        </p:nvSpPr>
+        <p:spPr>
+          <a:xfrm>
+            <a:off x="379514" y="132110"/>
+            <a:ext cx="11524432" cy="1063487"/>
+          </a:xfrm>
+        </p:spPr>
+        <p:txBody>
+          <a:bodyPr/>
+          <a:lstStyle/>
+          <a:p>
+            <a:pPr algn="ctr"/>
+            <a:r>
+              <a:rPr lang="en-IN" dirty="0"/>
+              <a:t>Foundry Projects - Bangalore</a:t>
+            </a:r>
+            <a:endParaRPr lang="en-IN" dirty="0">
+              <a:solidFill>
+                <a:srgbClr val="FF0000"/>
+              </a:solidFill>
+            </a:endParaRPr>
+          </a:p>
+        </p:txBody>
+      </p:sp>
+      <p:sp>
+        <p:nvSpPr>
+          <p:cNvPr id="10" name="Content Placeholder 1"/>
+          <p:cNvSpPr>
+            <a:spLocks noGrp="1"/>
+          </p:cNvSpPr>
+          <p:nvPr>
+            <p:ph sz="half" idx="2"/>
+          </p:nvPr>
+        </p:nvSpPr>
+        <p:spPr>
+          <a:xfrm>
+            <a:off x="7685389" y="1371601"/>
+            <a:ext cx="3809925" cy="788795"/>
+          </a:xfrm>
+        </p:spPr>
+        <p:txBody>
+          <a:bodyPr>
+            <a:normAutofit fontScale="85000" lnSpcReduction="20000"/>
+          </a:bodyPr>
+          <a:lstStyle/>
+          <a:p>
+            <a:pPr marL="0" indent="0" algn="ctr">
+              <a:buNone/>
+            </a:pPr>
+            <a:r>
+              <a:rPr lang="en-US" b="0" dirty="0" err="1"/>
+              <a:t>MyRA</a:t>
+            </a:r>
+            <a:r>
+              <a:rPr lang="en-US" b="0" dirty="0"/>
+              <a:t> - My Research Assistant*</a:t>
+            </a:r>
+            <a:r>
+              <a:rPr lang="en-US" sz="1800" dirty="0"/>
+              <a:t> </a:t>
+            </a:r>
+            <a:endParaRPr lang="fr-FR" sz="1800" dirty="0"/>
+          </a:p>
+        </p:txBody>
+      </p:sp>
+      <p:sp>
+        <p:nvSpPr>
+          <p:cNvPr id="13" name="Content Placeholder 1"/>
+          <p:cNvSpPr>
+            <a:spLocks noGrp="1"/>
+          </p:cNvSpPr>
+          <p:nvPr>
+            <p:ph sz="half" idx="2"/>
+          </p:nvPr>
+        </p:nvSpPr>
+        <p:spPr>
+          <a:xfrm>
+            <a:off x="1587991" y="2914015"/>
+            <a:ext cx="3558774" cy="1314662"/>
+          </a:xfrm>
+        </p:spPr>
+        <p:txBody>
+          <a:bodyPr>
+            <a:normAutofit fontScale="85000" lnSpcReduction="10000"/>
+          </a:bodyPr>
+          <a:lstStyle/>
+          <a:p>
+            <a:pPr marL="0" indent="0" algn="ctr">
+              <a:buNone/>
+            </a:pPr>
+            <a:r>
+              <a:rPr lang="en-US" b="0" dirty="0"/>
+              <a:t>Smart Walking Stick - Low cost edition for Developing markets</a:t>
+            </a:r>
+            <a:r>
+              <a:rPr lang="en-US" sz="1800" dirty="0"/>
+              <a:t> </a:t>
+            </a:r>
+            <a:endParaRPr lang="en-IN" sz="1200" dirty="0"/>
+          </a:p>
+        </p:txBody>
+      </p:sp>
+      <p:sp>
+        <p:nvSpPr>
+          <p:cNvPr id="17" name="Content Placeholder 1"/>
+          <p:cNvSpPr>
+            <a:spLocks noGrp="1"/>
+          </p:cNvSpPr>
+          <p:nvPr>
+            <p:ph sz="half" idx="2"/>
+          </p:nvPr>
+        </p:nvSpPr>
+        <p:spPr>
+          <a:xfrm>
+            <a:off x="6667098" y="2910326"/>
+            <a:ext cx="3378239" cy="1257724"/>
+          </a:xfrm>
+        </p:spPr>
+        <p:txBody>
+          <a:bodyPr>
+            <a:normAutofit fontScale="92500" lnSpcReduction="20000"/>
+          </a:bodyPr>
+          <a:lstStyle/>
+          <a:p>
+            <a:pPr marL="0" indent="0" algn="ctr">
+              <a:buNone/>
+            </a:pPr>
+            <a:r>
+              <a:rPr lang="en-US" b="0" dirty="0"/>
+              <a:t>Modern Employee Intranet on Microsoft Teams*</a:t>
+            </a:r>
+            <a:r>
+              <a:rPr lang="en-US" sz="1800" dirty="0"/>
+              <a:t> </a:t>
+            </a:r>
+            <a:endParaRPr lang="en-IN" sz="1200" dirty="0"/>
+          </a:p>
+        </p:txBody>
+      </p:sp>
+    </p:spTree>
+    <p:extLst>
+      <p:ext uri="{BB962C8B-B14F-4D97-AF65-F5344CB8AC3E}">
+        <p14:creationId xmlns:p14="http://schemas.microsoft.com/office/powerpoint/2010/main" val="3409493168"/>
+      </p:ext>
+    </p:extLst>
+  </p:cSld>
+  <p:clrMapOvr>
+    <a:masterClrMapping/>
+  </p:clrMapOvr>
+</p:sld>
+</file>
+
+<file path=ppt/slides/slide6.xml><?xml version="1.0" encoding="utf-8"?>
+<p:sld xmlns:a="http://schemas.openxmlformats.org/drawingml/2006/main" xmlns:r="http://schemas.openxmlformats.org/officeDocument/2006/relationships" xmlns:p="http://schemas.openxmlformats.org/presentationml/2006/main">
+  <p:cSld>
+    <p:spTree>
+      <p:nvGrpSpPr>
+        <p:cNvPr id="1" name=""/>
+        <p:cNvGrpSpPr/>
+        <p:nvPr/>
+      </p:nvGrpSpPr>
+      <p:grpSpPr>
+        <a:xfrm>
+          <a:off x="0" y="0"/>
+          <a:ext cx="0" cy="0"/>
+          <a:chOff x="0" y="0"/>
+          <a:chExt cx="0" cy="0"/>
+        </a:xfrm>
+      </p:grpSpPr>
+      <p:sp>
+        <p:nvSpPr>
           <p:cNvPr id="3" name="Content Placeholder 2"/>
           <p:cNvSpPr>
             <a:spLocks noGrp="1"/>
@@ -4390,7 +4576,7 @@
 </p:sld>
 </file>
 
-<file path=ppt/slides/slide6.xml><?xml version="1.0" encoding="utf-8"?>
+<file path=ppt/slides/slide7.xml><?xml version="1.0" encoding="utf-8"?>
 <p:sld xmlns:a="http://schemas.openxmlformats.org/drawingml/2006/main" xmlns:r="http://schemas.openxmlformats.org/officeDocument/2006/relationships" xmlns:p="http://schemas.openxmlformats.org/presentationml/2006/main">
   <p:cSld>
     <p:spTree>
@@ -5049,7 +5235,7 @@
 </p:sld>
 </file>
 
-<file path=ppt/slides/slide7.xml><?xml version="1.0" encoding="utf-8"?>
+<file path=ppt/slides/slide8.xml><?xml version="1.0" encoding="utf-8"?>
 <p:sld xmlns:a="http://schemas.openxmlformats.org/drawingml/2006/main" xmlns:r="http://schemas.openxmlformats.org/officeDocument/2006/relationships" xmlns:p="http://schemas.openxmlformats.org/presentationml/2006/main">
   <p:cSld>
     <p:spTree>
@@ -5919,21 +6105,6 @@
 </file>
 
 <file path=customXml/item1.xml><?xml version="1.0" encoding="utf-8"?>
-<p:properties xmlns:p="http://schemas.microsoft.com/office/2006/metadata/properties" xmlns:xsi="http://www.w3.org/2001/XMLSchema-instance" xmlns:pc="http://schemas.microsoft.com/office/infopath/2007/PartnerControls">
-  <documentManagement/>
-</p:properties>
-</file>
-
-<file path=customXml/item2.xml><?xml version="1.0" encoding="utf-8"?>
-<?mso-contentType ?>
-<FormTemplates xmlns="http://schemas.microsoft.com/sharepoint/v3/contenttype/forms">
-  <Display>DocumentLibraryForm</Display>
-  <Edit>DocumentLibraryForm</Edit>
-  <New>DocumentLibraryForm</New>
-</FormTemplates>
-</file>
-
-<file path=customXml/item3.xml><?xml version="1.0" encoding="utf-8"?>
 <ct:contentTypeSchema xmlns:ct="http://schemas.microsoft.com/office/2006/metadata/contentType" xmlns:ma="http://schemas.microsoft.com/office/2006/metadata/properties/metaAttributes" ct:_="" ma:_="" ma:contentTypeName="Document" ma:contentTypeID="0x01010011DC54E8FA166940A7080F84F8CB43C0" ma:contentTypeVersion="5" ma:contentTypeDescription="Create a new document." ma:contentTypeScope="" ma:versionID="cf59c618f8906941c836d93f4042696d">
   <xsd:schema xmlns:xsd="http://www.w3.org/2001/XMLSchema" xmlns:xs="http://www.w3.org/2001/XMLSchema" xmlns:p="http://schemas.microsoft.com/office/2006/metadata/properties" xmlns:ns2="49f23ff1-7de2-4e77-8ccc-6638caaacb57" targetNamespace="http://schemas.microsoft.com/office/2006/metadata/properties" ma:root="true" ma:fieldsID="2f21f176a9e5873be5e0250de8bfe910" ns2:_="">
     <xsd:import namespace="49f23ff1-7de2-4e77-8ccc-6638caaacb57"/>
@@ -6083,31 +6254,22 @@
 </ct:contentTypeSchema>
 </file>
 
-<file path=customXml/itemProps1.xml><?xml version="1.0" encoding="utf-8"?>
-<ds:datastoreItem xmlns:ds="http://schemas.openxmlformats.org/officeDocument/2006/customXml" ds:itemID="{7025FDD9-4C58-4084-9F89-0E6ADD6FFF55}">
-  <ds:schemaRefs>
-    <ds:schemaRef ds:uri="http://purl.org/dc/dcmitype/"/>
-    <ds:schemaRef ds:uri="http://schemas.microsoft.com/office/2006/documentManagement/types"/>
-    <ds:schemaRef ds:uri="http://schemas.openxmlformats.org/package/2006/metadata/core-properties"/>
-    <ds:schemaRef ds:uri="http://schemas.microsoft.com/office/2006/metadata/properties"/>
-    <ds:schemaRef ds:uri="http://www.w3.org/XML/1998/namespace"/>
-    <ds:schemaRef ds:uri="http://purl.org/dc/elements/1.1/"/>
-    <ds:schemaRef ds:uri="http://schemas.microsoft.com/office/infopath/2007/PartnerControls"/>
-    <ds:schemaRef ds:uri="49f23ff1-7de2-4e77-8ccc-6638caaacb57"/>
-    <ds:schemaRef ds:uri="http://purl.org/dc/terms/"/>
-  </ds:schemaRefs>
-</ds:datastoreItem>
+<file path=customXml/item2.xml><?xml version="1.0" encoding="utf-8"?>
+<?mso-contentType ?>
+<FormTemplates xmlns="http://schemas.microsoft.com/sharepoint/v3/contenttype/forms">
+  <Display>DocumentLibraryForm</Display>
+  <Edit>DocumentLibraryForm</Edit>
+  <New>DocumentLibraryForm</New>
+</FormTemplates>
 </file>
 
-<file path=customXml/itemProps2.xml><?xml version="1.0" encoding="utf-8"?>
-<ds:datastoreItem xmlns:ds="http://schemas.openxmlformats.org/officeDocument/2006/customXml" ds:itemID="{B0CA13EC-1D3C-4D6F-8D1C-E8A452CFC79A}">
-  <ds:schemaRefs>
-    <ds:schemaRef ds:uri="http://schemas.microsoft.com/sharepoint/v3/contenttype/forms"/>
-  </ds:schemaRefs>
-</ds:datastoreItem>
+<file path=customXml/item3.xml><?xml version="1.0" encoding="utf-8"?>
+<p:properties xmlns:p="http://schemas.microsoft.com/office/2006/metadata/properties" xmlns:xsi="http://www.w3.org/2001/XMLSchema-instance" xmlns:pc="http://schemas.microsoft.com/office/infopath/2007/PartnerControls">
+  <documentManagement/>
+</p:properties>
 </file>
 
-<file path=customXml/itemProps3.xml><?xml version="1.0" encoding="utf-8"?>
+<file path=customXml/itemProps1.xml><?xml version="1.0" encoding="utf-8"?>
 <ds:datastoreItem xmlns:ds="http://schemas.openxmlformats.org/officeDocument/2006/customXml" ds:itemID="{9981D766-8238-4C46-BFD3-328D25F01F6A}">
   <ds:schemaRefs>
     <ds:schemaRef ds:uri="http://schemas.microsoft.com/office/2006/metadata/contentType"/>
@@ -6123,4 +6285,28 @@
     <ds:schemaRef ds:uri="http://schemas.microsoft.com/internal/obd"/>
   </ds:schemaRefs>
 </ds:datastoreItem>
+</file>
+
+<file path=customXml/itemProps2.xml><?xml version="1.0" encoding="utf-8"?>
+<ds:datastoreItem xmlns:ds="http://schemas.openxmlformats.org/officeDocument/2006/customXml" ds:itemID="{B0CA13EC-1D3C-4D6F-8D1C-E8A452CFC79A}">
+  <ds:schemaRefs>
+    <ds:schemaRef ds:uri="http://schemas.microsoft.com/sharepoint/v3/contenttype/forms"/>
+  </ds:schemaRefs>
+</ds:datastoreItem>
+</file>
+
+<file path=customXml/itemProps3.xml><?xml version="1.0" encoding="utf-8"?>
+<ds:datastoreItem xmlns:ds="http://schemas.openxmlformats.org/officeDocument/2006/customXml" ds:itemID="{7025FDD9-4C58-4084-9F89-0E6ADD6FFF55}">
+  <ds:schemaRefs>
+    <ds:schemaRef ds:uri="http://purl.org/dc/dcmitype/"/>
+    <ds:schemaRef ds:uri="http://schemas.microsoft.com/office/2006/documentManagement/types"/>
+    <ds:schemaRef ds:uri="http://schemas.openxmlformats.org/package/2006/metadata/core-properties"/>
+    <ds:schemaRef ds:uri="http://schemas.microsoft.com/office/2006/metadata/properties"/>
+    <ds:schemaRef ds:uri="http://www.w3.org/XML/1998/namespace"/>
+    <ds:schemaRef ds:uri="http://purl.org/dc/elements/1.1/"/>
+    <ds:schemaRef ds:uri="http://schemas.microsoft.com/office/infopath/2007/PartnerControls"/>
+    <ds:schemaRef ds:uri="49f23ff1-7de2-4e77-8ccc-6638caaacb57"/>
+    <ds:schemaRef ds:uri="http://purl.org/dc/terms/"/>
+  </ds:schemaRefs>
+</ds:datastoreItem>
 </file>